--- a/git.pptx
+++ b/git.pptx
@@ -8,6 +8,7 @@
     <p:sldId id="256" r:id="rId2"/>
     <p:sldId id="257" r:id="rId3"/>
     <p:sldId id="258" r:id="rId4"/>
+    <p:sldId id="259" r:id="rId5"/>
   </p:sldIdLst>
   <p:sldSz cx="12192000" cy="6858000"/>
   <p:notesSz cx="6858000" cy="9144000"/>
@@ -4303,6 +4304,220 @@
 </p:sld>
 </file>
 
+<file path=ppt/slides/slide4.xml><?xml version="1.0" encoding="utf-8"?>
+<p:sld xmlns:a="http://schemas.openxmlformats.org/drawingml/2006/main" xmlns:r="http://schemas.openxmlformats.org/officeDocument/2006/relationships" xmlns:p="http://schemas.openxmlformats.org/presentationml/2006/main">
+  <p:cSld>
+    <p:spTree>
+      <p:nvGrpSpPr>
+        <p:cNvPr id="1" name=""/>
+        <p:cNvGrpSpPr/>
+        <p:nvPr/>
+      </p:nvGrpSpPr>
+      <p:grpSpPr>
+        <a:xfrm>
+          <a:off x="0" y="0"/>
+          <a:ext cx="0" cy="0"/>
+          <a:chOff x="0" y="0"/>
+          <a:chExt cx="0" cy="0"/>
+        </a:xfrm>
+      </p:grpSpPr>
+      <p:sp>
+        <p:nvSpPr>
+          <p:cNvPr id="2" name="標題 1">
+            <a:extLst>
+              <a:ext uri="{FF2B5EF4-FFF2-40B4-BE49-F238E27FC236}">
+                <a16:creationId xmlns:a16="http://schemas.microsoft.com/office/drawing/2014/main" id="{10B60C02-E231-6C4B-8AF2-378092E70D22}"/>
+              </a:ext>
+            </a:extLst>
+          </p:cNvPr>
+          <p:cNvSpPr>
+            <a:spLocks noGrp="1"/>
+          </p:cNvSpPr>
+          <p:nvPr>
+            <p:ph type="title"/>
+          </p:nvPr>
+        </p:nvSpPr>
+        <p:spPr/>
+        <p:txBody>
+          <a:bodyPr/>
+          <a:lstStyle/>
+          <a:p>
+            <a:r>
+              <a:rPr kumimoji="1" lang="en-US" altLang="zh-TW" dirty="0"/>
+              <a:t>config</a:t>
+            </a:r>
+            <a:endParaRPr kumimoji="1" lang="zh-TW" altLang="en-US" dirty="0"/>
+          </a:p>
+        </p:txBody>
+      </p:sp>
+      <p:sp>
+        <p:nvSpPr>
+          <p:cNvPr id="3" name="內容版面配置區 2">
+            <a:extLst>
+              <a:ext uri="{FF2B5EF4-FFF2-40B4-BE49-F238E27FC236}">
+                <a16:creationId xmlns:a16="http://schemas.microsoft.com/office/drawing/2014/main" id="{AD06AAAB-6596-404E-A264-BB6746F16FEE}"/>
+              </a:ext>
+            </a:extLst>
+          </p:cNvPr>
+          <p:cNvSpPr>
+            <a:spLocks noGrp="1"/>
+          </p:cNvSpPr>
+          <p:nvPr>
+            <p:ph idx="1"/>
+          </p:nvPr>
+        </p:nvSpPr>
+        <p:spPr/>
+        <p:txBody>
+          <a:bodyPr/>
+          <a:lstStyle/>
+          <a:p>
+            <a:r>
+              <a:rPr lang="en" altLang="zh-TW" dirty="0"/>
+              <a:t>$ git config --global </a:t>
+            </a:r>
+            <a:r>
+              <a:rPr lang="en" altLang="zh-TW" dirty="0" err="1"/>
+              <a:t>user.name</a:t>
+            </a:r>
+            <a:r>
+              <a:rPr lang="en" altLang="zh-TW" dirty="0"/>
+              <a:t> "John Doe" </a:t>
+            </a:r>
+            <a:br>
+              <a:rPr lang="en" altLang="zh-TW" dirty="0"/>
+            </a:br>
+            <a:r>
+              <a:rPr lang="en" altLang="zh-TW" dirty="0"/>
+              <a:t>$ git config --global </a:t>
+            </a:r>
+            <a:r>
+              <a:rPr lang="en" altLang="zh-TW" dirty="0" err="1"/>
+              <a:t>user.email</a:t>
+            </a:r>
+            <a:r>
+              <a:rPr lang="en" altLang="zh-TW" dirty="0"/>
+              <a:t> </a:t>
+            </a:r>
+            <a:r>
+              <a:rPr lang="en" altLang="zh-TW" dirty="0">
+                <a:hlinkClick r:id="rId2"/>
+              </a:rPr>
+              <a:t>johndoe@example.com</a:t>
+            </a:r>
+            <a:endParaRPr lang="en" altLang="zh-TW" dirty="0"/>
+          </a:p>
+          <a:p>
+            <a:r>
+              <a:rPr lang="en" altLang="zh-TW" dirty="0"/>
+              <a:t>git config –list    //get config list</a:t>
+            </a:r>
+            <a:endParaRPr kumimoji="1" lang="zh-TW" altLang="en-US" dirty="0"/>
+          </a:p>
+        </p:txBody>
+      </p:sp>
+      <p:sp>
+        <p:nvSpPr>
+          <p:cNvPr id="4" name="矩形 3">
+            <a:extLst>
+              <a:ext uri="{FF2B5EF4-FFF2-40B4-BE49-F238E27FC236}">
+                <a16:creationId xmlns:a16="http://schemas.microsoft.com/office/drawing/2014/main" id="{0FFA0162-5BC9-214F-99A9-CBFD8F596264}"/>
+              </a:ext>
+            </a:extLst>
+          </p:cNvPr>
+          <p:cNvSpPr/>
+          <p:nvPr/>
+        </p:nvSpPr>
+        <p:spPr>
+          <a:xfrm>
+            <a:off x="838200" y="3448603"/>
+            <a:ext cx="6096000" cy="646331"/>
+          </a:xfrm>
+          <a:prstGeom prst="rect">
+            <a:avLst/>
+          </a:prstGeom>
+        </p:spPr>
+        <p:txBody>
+          <a:bodyPr>
+            <a:spAutoFit/>
+          </a:bodyPr>
+          <a:lstStyle/>
+          <a:p>
+            <a:r>
+              <a:rPr lang="en-US" altLang="zh-TW" i="1" dirty="0">
+                <a:solidFill>
+                  <a:srgbClr val="FF0000"/>
+                </a:solidFill>
+              </a:rPr>
+              <a:t># </a:t>
+            </a:r>
+            <a:r>
+              <a:rPr lang="zh-TW" altLang="en-US" i="1" dirty="0">
+                <a:solidFill>
+                  <a:srgbClr val="FF0000"/>
+                </a:solidFill>
+              </a:rPr>
+              <a:t>設定自動儲存帳號與密碼</a:t>
+            </a:r>
+            <a:br>
+              <a:rPr lang="en-US" altLang="zh-TW" i="1" dirty="0">
+                <a:solidFill>
+                  <a:srgbClr val="FF0000"/>
+                </a:solidFill>
+              </a:rPr>
+            </a:br>
+            <a:r>
+              <a:rPr lang="zh-TW" altLang="en-US" dirty="0">
+                <a:solidFill>
+                  <a:srgbClr val="FF0000"/>
+                </a:solidFill>
+              </a:rPr>
+              <a:t> </a:t>
+            </a:r>
+            <a:r>
+              <a:rPr lang="en" altLang="zh-TW" dirty="0">
+                <a:solidFill>
+                  <a:srgbClr val="FF0000"/>
+                </a:solidFill>
+              </a:rPr>
+              <a:t>git config --global </a:t>
+            </a:r>
+            <a:r>
+              <a:rPr lang="en" altLang="zh-TW" dirty="0" err="1">
+                <a:solidFill>
+                  <a:srgbClr val="FF0000"/>
+                </a:solidFill>
+              </a:rPr>
+              <a:t>credential.helper</a:t>
+            </a:r>
+            <a:r>
+              <a:rPr lang="en" altLang="zh-TW" dirty="0">
+                <a:solidFill>
+                  <a:srgbClr val="FF0000"/>
+                </a:solidFill>
+              </a:rPr>
+              <a:t> store</a:t>
+            </a:r>
+            <a:endParaRPr lang="zh-TW" altLang="en-US" dirty="0">
+              <a:solidFill>
+                <a:srgbClr val="FF0000"/>
+              </a:solidFill>
+            </a:endParaRPr>
+          </a:p>
+        </p:txBody>
+      </p:sp>
+    </p:spTree>
+    <p:extLst>
+      <p:ext uri="{BB962C8B-B14F-4D97-AF65-F5344CB8AC3E}">
+        <p14:creationId xmlns:p14="http://schemas.microsoft.com/office/powerpoint/2010/main" val="2473965170"/>
+      </p:ext>
+    </p:extLst>
+  </p:cSld>
+  <p:clrMapOvr>
+    <a:masterClrMapping/>
+  </p:clrMapOvr>
+</p:sld>
+</file>
+
 <file path=ppt/theme/theme1.xml><?xml version="1.0" encoding="utf-8"?>
 <a:theme xmlns:a="http://schemas.openxmlformats.org/drawingml/2006/main" name="Office 佈景主題">
   <a:themeElements>
